--- a/fall11/slidesF11/slides11f.pptx
+++ b/fall11/slidesF11/slides11f.pptx
@@ -4718,15 +4718,7 @@
             </a:r>
             <a:r>
               <a:rPr lang="en-US" dirty="0" smtClean="0"/>
-              <a:t> </a:t>
-            </a:r>
-            <a:r>
-              <a:rPr lang="en-US" dirty="0" smtClean="0"/>
-              <a:t>11F</a:t>
-            </a:r>
-            <a:r>
-              <a:rPr lang="en-US" dirty="0" smtClean="0"/>
-              <a:t>.</a:t>
+              <a:t> 11F.</a:t>
             </a:r>
             <a:fld id="{CB2BD928-FA73-41E2-BD29-ED16D1EFD71C}" type="slidenum">
               <a:rPr lang="en-US" smtClean="0"/>
@@ -4876,15 +4868,7 @@
             </a:r>
             <a:r>
               <a:rPr lang="en-US" dirty="0" smtClean="0"/>
-              <a:t> </a:t>
-            </a:r>
-            <a:r>
-              <a:rPr lang="en-US" dirty="0" smtClean="0"/>
-              <a:t>11F</a:t>
-            </a:r>
-            <a:r>
-              <a:rPr lang="en-US" dirty="0" smtClean="0"/>
-              <a:t>.</a:t>
+              <a:t> 11F.</a:t>
             </a:r>
             <a:fld id="{D64AE0B5-FBC8-401C-9D58-7FCB6A8BDAB7}" type="slidenum">
               <a:rPr lang="en-US" smtClean="0"/>
@@ -4982,15 +4966,7 @@
             </a:r>
             <a:r>
               <a:rPr lang="en-US" dirty="0" smtClean="0"/>
-              <a:t> </a:t>
-            </a:r>
-            <a:r>
-              <a:rPr lang="en-US" dirty="0" smtClean="0"/>
-              <a:t>11F</a:t>
-            </a:r>
-            <a:r>
-              <a:rPr lang="en-US" dirty="0" smtClean="0"/>
-              <a:t>.</a:t>
+              <a:t> 11F.</a:t>
             </a:r>
             <a:fld id="{2B54D3A3-7076-4E41-BC8B-85C6A2A80614}" type="slidenum">
               <a:rPr lang="en-US" smtClean="0"/>
@@ -5068,15 +5044,7 @@
             </a:r>
             <a:r>
               <a:rPr lang="en-US" dirty="0" smtClean="0"/>
-              <a:t> </a:t>
-            </a:r>
-            <a:r>
-              <a:rPr lang="en-US" dirty="0" smtClean="0"/>
-              <a:t>11F</a:t>
-            </a:r>
-            <a:r>
-              <a:rPr lang="en-US" dirty="0" smtClean="0"/>
-              <a:t>.</a:t>
+              <a:t> 11F.</a:t>
             </a:r>
             <a:fld id="{9515C841-0140-49CE-8F2C-6959C7D70FD7}" type="slidenum">
               <a:rPr lang="en-US" smtClean="0"/>
@@ -5324,15 +5292,7 @@
             </a:r>
             <a:r>
               <a:rPr lang="en-US" dirty="0" smtClean="0"/>
-              <a:t> </a:t>
-            </a:r>
-            <a:r>
-              <a:rPr lang="en-US" dirty="0" smtClean="0"/>
-              <a:t>11F</a:t>
-            </a:r>
-            <a:r>
-              <a:rPr lang="en-US" dirty="0" smtClean="0"/>
-              <a:t>.</a:t>
+              <a:t> 11F.</a:t>
             </a:r>
             <a:fld id="{079D37AF-99FA-4D01-9518-1979F7715D44}" type="slidenum">
               <a:rPr lang="en-US" smtClean="0"/>
@@ -5396,37 +5356,7 @@
                 <a:uFillTx/>
                 <a:latin typeface="Comic Sans MS" pitchFamily="66" charset="0"/>
               </a:rPr>
-              <a:t>Albert R Meyer,          </a:t>
-            </a:r>
-            <a:r>
-              <a:rPr kumimoji="0" lang="en-US" sz="1200" b="0" i="0" u="none" strike="noStrike" kern="1200" cap="none" spc="0" normalizeH="0" baseline="0" noProof="0" dirty="0" smtClean="0">
-                <a:ln>
-                  <a:noFill/>
-                </a:ln>
-                <a:solidFill>
-                  <a:schemeClr val="tx1"/>
-                </a:solidFill>
-                <a:effectLst/>
-                <a:uLnTx/>
-                <a:uFillTx/>
-                <a:latin typeface="Comic Sans MS" pitchFamily="66" charset="0"/>
-              </a:rPr>
-              <a:t>November 18, </a:t>
-            </a:r>
-            <a:r>
-              <a:rPr kumimoji="0" lang="en-US" sz="1200" b="0" i="0" u="none" strike="noStrike" kern="1200" cap="none" spc="0" normalizeH="0" baseline="0" noProof="0" dirty="0" smtClean="0">
-                <a:ln>
-                  <a:noFill/>
-                </a:ln>
-                <a:solidFill>
-                  <a:schemeClr val="tx1"/>
-                </a:solidFill>
-                <a:effectLst/>
-                <a:uLnTx/>
-                <a:uFillTx/>
-                <a:latin typeface="Comic Sans MS" pitchFamily="66" charset="0"/>
-              </a:rPr>
-              <a:t>2011</a:t>
+              <a:t>Albert R Meyer,          November 18, 2011</a:t>
             </a:r>
             <a:endParaRPr kumimoji="0" lang="en-US" sz="1200" b="0" i="0" u="none" strike="noStrike" kern="1200" cap="none" spc="0" normalizeH="0" baseline="0" noProof="0" dirty="0">
               <a:ln>
@@ -6033,11 +5963,7 @@
             </a:r>
             <a:r>
               <a:rPr lang="en-US" dirty="0" smtClean="0"/>
-              <a:t> </a:t>
-            </a:r>
-            <a:r>
-              <a:rPr lang="en-US" dirty="0" smtClean="0"/>
-              <a:t>11F.</a:t>
+              <a:t> 11F.</a:t>
             </a:r>
             <a:fld id="{73B57819-3F53-4064-ABEE-665935E0A2F0}" type="slidenum">
               <a:rPr lang="en-US" smtClean="0"/>
@@ -6266,11 +6192,7 @@
             </a:r>
             <a:r>
               <a:rPr lang="en-US" dirty="0" smtClean="0"/>
-              <a:t> </a:t>
-            </a:r>
-            <a:r>
-              <a:rPr lang="en-US" dirty="0" smtClean="0"/>
-              <a:t>11F.</a:t>
+              <a:t> 11F.</a:t>
             </a:r>
             <a:fld id="{B0FF02EB-D1D4-4FAF-AA08-3524FCCD24CB}" type="slidenum">
               <a:rPr lang="en-US" smtClean="0"/>
@@ -6487,7 +6409,7 @@
           <a:graphicData uri="http://schemas.openxmlformats.org/presentationml/2006/ole">
             <mc:AlternateContent xmlns:mc="http://schemas.openxmlformats.org/markup-compatibility/2006">
               <mc:Choice xmlns:v="urn:schemas-microsoft-com:vml" Requires="v">
-                <p:oleObj spid="_x0000_s137221" name="Equation" r:id="rId4" imgW="1257120" imgH="457200" progId="Equation.DSMT4">
+                <p:oleObj spid="_x0000_s137223" name="Equation" r:id="rId4" imgW="1257120" imgH="457200" progId="Equation.DSMT4">
                   <p:embed/>
                 </p:oleObj>
               </mc:Choice>
@@ -6709,11 +6631,7 @@
             </a:r>
             <a:r>
               <a:rPr lang="en-US" dirty="0" smtClean="0"/>
-              <a:t> </a:t>
-            </a:r>
-            <a:r>
-              <a:rPr lang="en-US" dirty="0" smtClean="0"/>
-              <a:t>11F.</a:t>
+              <a:t> 11F.</a:t>
             </a:r>
             <a:fld id="{4CFB4505-5DEB-491F-BE7C-4DE5D56D6CF5}" type="slidenum">
               <a:rPr lang="en-US" smtClean="0"/>
@@ -7241,11 +7159,7 @@
             </a:r>
             <a:r>
               <a:rPr lang="en-US" dirty="0" smtClean="0"/>
-              <a:t> </a:t>
-            </a:r>
-            <a:r>
-              <a:rPr lang="en-US" dirty="0" smtClean="0"/>
-              <a:t>11F.</a:t>
+              <a:t> 11F.</a:t>
             </a:r>
             <a:fld id="{6A7976DA-D173-4661-9B1A-1336E57E620A}" type="slidenum">
               <a:rPr lang="en-US" smtClean="0"/>
@@ -7813,11 +7727,7 @@
             </a:r>
             <a:r>
               <a:rPr lang="en-US" dirty="0" smtClean="0"/>
-              <a:t> </a:t>
-            </a:r>
-            <a:r>
-              <a:rPr lang="en-US" dirty="0" smtClean="0"/>
-              <a:t>11F.</a:t>
+              <a:t> 11F.</a:t>
             </a:r>
             <a:fld id="{6BD7755F-1779-4BC3-A62F-28E758764DAE}" type="slidenum">
               <a:rPr lang="en-US" smtClean="0"/>
@@ -8384,11 +8294,7 @@
             </a:r>
             <a:r>
               <a:rPr lang="en-US" dirty="0" smtClean="0"/>
-              <a:t> </a:t>
-            </a:r>
-            <a:r>
-              <a:rPr lang="en-US" dirty="0" smtClean="0"/>
-              <a:t>11F.</a:t>
+              <a:t> 11F.</a:t>
             </a:r>
             <a:fld id="{F569BDCB-22FD-4303-A204-DED67BB0A5D1}" type="slidenum">
               <a:rPr lang="en-US" smtClean="0"/>
@@ -8916,11 +8822,7 @@
             </a:r>
             <a:r>
               <a:rPr lang="en-US" dirty="0" smtClean="0"/>
-              <a:t> </a:t>
-            </a:r>
-            <a:r>
-              <a:rPr lang="en-US" dirty="0" smtClean="0"/>
-              <a:t>11F.</a:t>
+              <a:t> 11F.</a:t>
             </a:r>
             <a:fld id="{4DEFD96A-A3B1-44C5-9DCC-DF51A7BA84D6}" type="slidenum">
               <a:rPr lang="en-US" smtClean="0"/>
@@ -9377,11 +9279,7 @@
             </a:r>
             <a:r>
               <a:rPr lang="en-US" dirty="0" smtClean="0"/>
-              <a:t> </a:t>
-            </a:r>
-            <a:r>
-              <a:rPr lang="en-US" dirty="0" smtClean="0"/>
-              <a:t>11F.</a:t>
+              <a:t> 11F.</a:t>
             </a:r>
             <a:fld id="{D4CFA408-5106-45DE-A573-F23A99EB07A0}" type="slidenum">
               <a:rPr lang="en-US" smtClean="0"/>
@@ -11280,11 +11178,7 @@
             </a:r>
             <a:r>
               <a:rPr lang="en-US" dirty="0" smtClean="0"/>
-              <a:t> </a:t>
-            </a:r>
-            <a:r>
-              <a:rPr lang="en-US" dirty="0" smtClean="0"/>
-              <a:t>11F.</a:t>
+              <a:t> 11F.</a:t>
             </a:r>
             <a:fld id="{A97B727E-85D9-4D75-9F41-49236FB01EF8}" type="slidenum">
               <a:rPr lang="en-US" smtClean="0"/>
@@ -12264,11 +12158,7 @@
             </a:r>
             <a:r>
               <a:rPr lang="en-US" dirty="0" smtClean="0"/>
-              <a:t> </a:t>
-            </a:r>
-            <a:r>
-              <a:rPr lang="en-US" dirty="0" smtClean="0"/>
-              <a:t>11F.</a:t>
+              <a:t> 11F.</a:t>
             </a:r>
             <a:fld id="{667473EA-F42D-4AA1-82FF-930CBD07F711}" type="slidenum">
               <a:rPr lang="en-US" smtClean="0"/>
@@ -13455,7 +13345,7 @@
           <a:graphicData uri="http://schemas.openxmlformats.org/presentationml/2006/ole">
             <mc:AlternateContent xmlns:mc="http://schemas.openxmlformats.org/markup-compatibility/2006">
               <mc:Choice xmlns:v="urn:schemas-microsoft-com:vml" Requires="v">
-                <p:oleObj spid="_x0000_s153605" name="Equation" r:id="rId9" imgW="508000" imgH="406400" progId="Equation.DSMT4">
+                <p:oleObj spid="_x0000_s153607" name="Equation" r:id="rId9" imgW="508000" imgH="406400" progId="Equation.DSMT4">
                   <p:embed/>
                 </p:oleObj>
               </mc:Choice>
@@ -13911,11 +13801,7 @@
             </a:r>
             <a:r>
               <a:rPr lang="en-US" dirty="0" smtClean="0"/>
-              <a:t> </a:t>
-            </a:r>
-            <a:r>
-              <a:rPr lang="en-US" dirty="0" smtClean="0"/>
-              <a:t>11F.</a:t>
+              <a:t> 11F.</a:t>
             </a:r>
             <a:fld id="{53DBC806-5CDC-4452-B203-0326A7A2319F}" type="slidenum">
               <a:rPr lang="en-US" smtClean="0"/>
@@ -14389,11 +14275,7 @@
             </a:r>
             <a:r>
               <a:rPr lang="en-US" dirty="0" smtClean="0"/>
-              <a:t> </a:t>
-            </a:r>
-            <a:r>
-              <a:rPr lang="en-US" dirty="0" smtClean="0"/>
-              <a:t>11F.</a:t>
+              <a:t> 11F.</a:t>
             </a:r>
             <a:fld id="{B427E22D-7E6D-4DBA-A517-83D4E9B7D2C2}" type="slidenum">
               <a:rPr lang="en-US" smtClean="0"/>
@@ -14619,7 +14501,7 @@
           <a:graphicData uri="http://schemas.openxmlformats.org/presentationml/2006/ole">
             <mc:AlternateContent xmlns:mc="http://schemas.openxmlformats.org/markup-compatibility/2006">
               <mc:Choice xmlns:v="urn:schemas-microsoft-com:vml" Requires="v">
-                <p:oleObj spid="_x0000_s155655" name="Equation" r:id="rId4" imgW="1002960" imgH="406080" progId="Equation.DSMT4">
+                <p:oleObj spid="_x0000_s155658" name="Equation" r:id="rId4" imgW="1002960" imgH="406080" progId="Equation.DSMT4">
                   <p:embed/>
                 </p:oleObj>
               </mc:Choice>
@@ -14748,7 +14630,7 @@
           <a:graphicData uri="http://schemas.openxmlformats.org/presentationml/2006/ole">
             <mc:AlternateContent xmlns:mc="http://schemas.openxmlformats.org/markup-compatibility/2006">
               <mc:Choice xmlns:v="urn:schemas-microsoft-com:vml" Requires="v">
-                <p:oleObj spid="_x0000_s155656" name="Equation" r:id="rId6" imgW="1104840" imgH="457200" progId="Equation.DSMT4">
+                <p:oleObj spid="_x0000_s155659" name="Equation" r:id="rId6" imgW="1104840" imgH="457200" progId="Equation.DSMT4">
                   <p:embed/>
                 </p:oleObj>
               </mc:Choice>
@@ -15045,11 +14927,7 @@
             </a:r>
             <a:r>
               <a:rPr lang="en-US" dirty="0" smtClean="0"/>
-              <a:t> </a:t>
-            </a:r>
-            <a:r>
-              <a:rPr lang="en-US" dirty="0" smtClean="0"/>
-              <a:t>11F.</a:t>
+              <a:t> 11F.</a:t>
             </a:r>
             <a:fld id="{A7BAA29C-9724-4A4B-80F5-1E7A18906EA2}" type="slidenum">
               <a:rPr lang="en-US" smtClean="0"/>
@@ -15551,7 +15429,7 @@
           <a:graphicData uri="http://schemas.openxmlformats.org/presentationml/2006/ole">
             <mc:AlternateContent xmlns:mc="http://schemas.openxmlformats.org/markup-compatibility/2006">
               <mc:Choice xmlns:v="urn:schemas-microsoft-com:vml" Requires="v">
-                <p:oleObj spid="_x0000_s157701" name="Equation" r:id="rId4" imgW="1028700" imgH="482600" progId="Equation.DSMT4">
+                <p:oleObj spid="_x0000_s157703" name="Equation" r:id="rId4" imgW="1028700" imgH="482600" progId="Equation.DSMT4">
                   <p:embed/>
                 </p:oleObj>
               </mc:Choice>
@@ -15628,11 +15506,7 @@
             </a:r>
             <a:r>
               <a:rPr lang="en-US" dirty="0" smtClean="0"/>
-              <a:t> </a:t>
-            </a:r>
-            <a:r>
-              <a:rPr lang="en-US" dirty="0" smtClean="0"/>
-              <a:t>11F.</a:t>
+              <a:t> 11F.</a:t>
             </a:r>
             <a:fld id="{312EA255-FF37-4875-AE59-239BFBDC82D5}" type="slidenum">
               <a:rPr lang="en-US" smtClean="0"/>
@@ -16069,11 +15943,7 @@
             </a:r>
             <a:r>
               <a:rPr lang="en-US" dirty="0" smtClean="0"/>
-              <a:t> </a:t>
-            </a:r>
-            <a:r>
-              <a:rPr lang="en-US" dirty="0" smtClean="0"/>
-              <a:t>11F.</a:t>
+              <a:t> 11F.</a:t>
             </a:r>
             <a:fld id="{AF7E73BC-8DF8-480C-A2A6-EE1684FF3787}" type="slidenum">
               <a:rPr lang="en-US" smtClean="0"/>
@@ -16089,9 +15959,18 @@
   <p:clrMapOvr>
     <a:masterClrMapping/>
   </p:clrMapOvr>
-  <p:transition xmlns:p14="http://schemas.microsoft.com/office/powerpoint/2010/main">
-    <p:fade/>
-  </p:transition>
+  <mc:AlternateContent xmlns:mc="http://schemas.openxmlformats.org/markup-compatibility/2006">
+    <mc:Choice xmlns:p14="http://schemas.microsoft.com/office/powerpoint/2010/main" Requires="p14">
+      <p:transition spd="slow" p14:dur="1200">
+        <p:dissolve/>
+      </p:transition>
+    </mc:Choice>
+    <mc:Fallback>
+      <p:transition xmlns:p14="http://schemas.microsoft.com/office/powerpoint/2010/main" spd="slow">
+        <p:dissolve/>
+      </p:transition>
+    </mc:Fallback>
+  </mc:AlternateContent>
   <p:timing>
     <p:tnLst>
       <p:par>
@@ -16484,11 +16363,7 @@
             </a:r>
             <a:r>
               <a:rPr lang="en-US" dirty="0" smtClean="0"/>
-              <a:t> </a:t>
-            </a:r>
-            <a:r>
-              <a:rPr lang="en-US" dirty="0" smtClean="0"/>
-              <a:t>11F.</a:t>
+              <a:t> 11F.</a:t>
             </a:r>
             <a:fld id="{D7ABDA0D-60F2-4808-A61D-5677EEC539B8}" type="slidenum">
               <a:rPr lang="en-US" smtClean="0"/>
@@ -16715,7 +16590,7 @@
           <a:graphicData uri="http://schemas.openxmlformats.org/presentationml/2006/ole">
             <mc:AlternateContent xmlns:mc="http://schemas.openxmlformats.org/markup-compatibility/2006">
               <mc:Choice xmlns:v="urn:schemas-microsoft-com:vml" Requires="v">
-                <p:oleObj spid="_x0000_s1029" name="Equation" r:id="rId4" imgW="1790640" imgH="228600" progId="Equation.DSMT4">
+                <p:oleObj spid="_x0000_s1031" name="Equation" r:id="rId4" imgW="1790640" imgH="228600" progId="Equation.DSMT4">
                   <p:embed/>
                 </p:oleObj>
               </mc:Choice>
@@ -17090,11 +16965,7 @@
             </a:r>
             <a:r>
               <a:rPr lang="en-US" dirty="0" smtClean="0"/>
-              <a:t> </a:t>
-            </a:r>
-            <a:r>
-              <a:rPr lang="en-US" dirty="0" smtClean="0"/>
-              <a:t>11F.</a:t>
+              <a:t> 11F.</a:t>
             </a:r>
             <a:fld id="{28279EDB-FC81-4FF0-A8B6-60CD38656473}" type="slidenum">
               <a:rPr lang="en-US" smtClean="0"/>
@@ -17529,7 +17400,7 @@
             <a:graphicData uri="http://schemas.openxmlformats.org/presentationml/2006/ole">
               <mc:AlternateContent xmlns:mc="http://schemas.openxmlformats.org/markup-compatibility/2006">
                 <mc:Choice xmlns:v="urn:schemas-microsoft-com:vml" Requires="v">
-                  <p:oleObj spid="_x0000_s2057" name="Equation" r:id="rId4" imgW="609480" imgH="228600" progId="Equation.DSMT4">
+                  <p:oleObj spid="_x0000_s2061" name="Equation" r:id="rId4" imgW="609480" imgH="228600" progId="Equation.DSMT4">
                     <p:embed/>
                   </p:oleObj>
                 </mc:Choice>
@@ -17648,7 +17519,7 @@
             <a:graphicData uri="http://schemas.openxmlformats.org/presentationml/2006/ole">
               <mc:AlternateContent xmlns:mc="http://schemas.openxmlformats.org/markup-compatibility/2006">
                 <mc:Choice xmlns:v="urn:schemas-microsoft-com:vml" Requires="v">
-                  <p:oleObj spid="_x0000_s2058" name="Equation" r:id="rId6" imgW="685800" imgH="228600" progId="Equation.DSMT4">
+                  <p:oleObj spid="_x0000_s2062" name="Equation" r:id="rId6" imgW="685800" imgH="228600" progId="Equation.DSMT4">
                     <p:embed/>
                   </p:oleObj>
                 </mc:Choice>
@@ -17764,7 +17635,7 @@
             <a:graphicData uri="http://schemas.openxmlformats.org/presentationml/2006/ole">
               <mc:AlternateContent xmlns:mc="http://schemas.openxmlformats.org/markup-compatibility/2006">
                 <mc:Choice xmlns:v="urn:schemas-microsoft-com:vml" Requires="v">
-                  <p:oleObj spid="_x0000_s2059" name="Equation" r:id="rId8" imgW="774360" imgH="177480" progId="Equation.DSMT4">
+                  <p:oleObj spid="_x0000_s2063" name="Equation" r:id="rId8" imgW="774360" imgH="177480" progId="Equation.DSMT4">
                     <p:embed/>
                   </p:oleObj>
                 </mc:Choice>
@@ -17873,11 +17744,7 @@
             </a:r>
             <a:r>
               <a:rPr lang="en-US" dirty="0" smtClean="0"/>
-              <a:t> </a:t>
-            </a:r>
-            <a:r>
-              <a:rPr lang="en-US" dirty="0" smtClean="0"/>
-              <a:t>11F.</a:t>
+              <a:t> 11F.</a:t>
             </a:r>
             <a:fld id="{C7C02B6E-7FF6-4D1C-B5B6-16DDB884BADA}" type="slidenum">
               <a:rPr lang="en-US" smtClean="0"/>
@@ -18225,7 +18092,7 @@
           <a:graphicData uri="http://schemas.openxmlformats.org/presentationml/2006/ole">
             <mc:AlternateContent xmlns:mc="http://schemas.openxmlformats.org/markup-compatibility/2006">
               <mc:Choice xmlns:v="urn:schemas-microsoft-com:vml" Requires="v">
-                <p:oleObj spid="_x0000_s3081" name="Equation" r:id="rId4" imgW="901440" imgH="406080" progId="Equation.DSMT4">
+                <p:oleObj spid="_x0000_s3085" name="Equation" r:id="rId4" imgW="901440" imgH="406080" progId="Equation.DSMT4">
                   <p:embed/>
                 </p:oleObj>
               </mc:Choice>
@@ -18295,7 +18162,7 @@
           <a:graphicData uri="http://schemas.openxmlformats.org/presentationml/2006/ole">
             <mc:AlternateContent xmlns:mc="http://schemas.openxmlformats.org/markup-compatibility/2006">
               <mc:Choice xmlns:v="urn:schemas-microsoft-com:vml" Requires="v">
-                <p:oleObj spid="_x0000_s3082" name="Equation" r:id="rId6" imgW="1015920" imgH="558720" progId="Equation.DSMT4">
+                <p:oleObj spid="_x0000_s3086" name="Equation" r:id="rId6" imgW="1015920" imgH="558720" progId="Equation.DSMT4">
                   <p:embed/>
                 </p:oleObj>
               </mc:Choice>
@@ -18365,7 +18232,7 @@
           <a:graphicData uri="http://schemas.openxmlformats.org/presentationml/2006/ole">
             <mc:AlternateContent xmlns:mc="http://schemas.openxmlformats.org/markup-compatibility/2006">
               <mc:Choice xmlns:v="urn:schemas-microsoft-com:vml" Requires="v">
-                <p:oleObj spid="_x0000_s3083" name="Equation" r:id="rId8" imgW="1663560" imgH="482400" progId="Equation.DSMT4">
+                <p:oleObj spid="_x0000_s3087" name="Equation" r:id="rId8" imgW="1663560" imgH="482400" progId="Equation.DSMT4">
                   <p:embed/>
                 </p:oleObj>
               </mc:Choice>
@@ -18442,11 +18309,7 @@
             </a:r>
             <a:r>
               <a:rPr lang="en-US" dirty="0" smtClean="0"/>
-              <a:t> </a:t>
-            </a:r>
-            <a:r>
-              <a:rPr lang="en-US" dirty="0" smtClean="0"/>
-              <a:t>11F.</a:t>
+              <a:t> 11F.</a:t>
             </a:r>
             <a:fld id="{3AB03EB7-EE1D-49D4-A0CF-314D84E78749}" type="slidenum">
               <a:rPr lang="en-US" smtClean="0"/>
@@ -18749,7 +18612,7 @@
           <a:graphicData uri="http://schemas.openxmlformats.org/presentationml/2006/ole">
             <mc:AlternateContent xmlns:mc="http://schemas.openxmlformats.org/markup-compatibility/2006">
               <mc:Choice xmlns:v="urn:schemas-microsoft-com:vml" Requires="v">
-                <p:oleObj spid="_x0000_s4105" name="Equation" r:id="rId4" imgW="1726920" imgH="799920" progId="Equation.DSMT4">
+                <p:oleObj spid="_x0000_s4109" name="Equation" r:id="rId4" imgW="1726920" imgH="799920" progId="Equation.DSMT4">
                   <p:embed/>
                 </p:oleObj>
               </mc:Choice>
@@ -18819,7 +18682,7 @@
           <a:graphicData uri="http://schemas.openxmlformats.org/presentationml/2006/ole">
             <mc:AlternateContent xmlns:mc="http://schemas.openxmlformats.org/markup-compatibility/2006">
               <mc:Choice xmlns:v="urn:schemas-microsoft-com:vml" Requires="v">
-                <p:oleObj spid="_x0000_s4106" name="Equation" r:id="rId6" imgW="1587240" imgH="279360" progId="Equation.DSMT4">
+                <p:oleObj spid="_x0000_s4110" name="Equation" r:id="rId6" imgW="1587240" imgH="279360" progId="Equation.DSMT4">
                   <p:embed/>
                 </p:oleObj>
               </mc:Choice>
@@ -18954,7 +18817,7 @@
             <a:graphicData uri="http://schemas.openxmlformats.org/presentationml/2006/ole">
               <mc:AlternateContent xmlns:mc="http://schemas.openxmlformats.org/markup-compatibility/2006">
                 <mc:Choice xmlns:v="urn:schemas-microsoft-com:vml" Requires="v">
-                  <p:oleObj spid="_x0000_s4107" name="Equation" r:id="rId8" imgW="927000" imgH="279360" progId="Equation.DSMT4">
+                  <p:oleObj spid="_x0000_s4111" name="Equation" r:id="rId8" imgW="927000" imgH="279360" progId="Equation.DSMT4">
                     <p:embed/>
                   </p:oleObj>
                 </mc:Choice>
@@ -19032,11 +18895,7 @@
             </a:r>
             <a:r>
               <a:rPr lang="en-US" dirty="0" smtClean="0"/>
-              <a:t> </a:t>
-            </a:r>
-            <a:r>
-              <a:rPr lang="en-US" dirty="0" smtClean="0"/>
-              <a:t>11F.</a:t>
+              <a:t> 11F.</a:t>
             </a:r>
             <a:fld id="{31DE787C-D765-47C3-8B4E-05721E8A372E}" type="slidenum">
               <a:rPr lang="en-US" smtClean="0"/>
@@ -19800,11 +19659,7 @@
             </a:r>
             <a:r>
               <a:rPr lang="en-US" dirty="0" smtClean="0"/>
-              <a:t> </a:t>
-            </a:r>
-            <a:r>
-              <a:rPr lang="en-US" dirty="0" smtClean="0"/>
-              <a:t>11F.</a:t>
+              <a:t> 11F.</a:t>
             </a:r>
             <a:fld id="{3B8E4082-F40B-4428-B587-3133F5D7165C}" type="slidenum">
               <a:rPr lang="en-US" smtClean="0"/>
@@ -19943,7 +19798,7 @@
           <a:graphicData uri="http://schemas.openxmlformats.org/presentationml/2006/ole">
             <mc:AlternateContent xmlns:mc="http://schemas.openxmlformats.org/markup-compatibility/2006">
               <mc:Choice xmlns:v="urn:schemas-microsoft-com:vml" Requires="v">
-                <p:oleObj spid="_x0000_s5127" name="Equation" r:id="rId4" imgW="1269720" imgH="253800" progId="Equation.DSMT4">
+                <p:oleObj spid="_x0000_s5130" name="Equation" r:id="rId4" imgW="1269720" imgH="253800" progId="Equation.DSMT4">
                   <p:embed/>
                 </p:oleObj>
               </mc:Choice>
@@ -20003,22 +19858,28 @@
           <p:cNvGraphicFramePr>
             <a:graphicFrameLocks noChangeAspect="1"/>
           </p:cNvGraphicFramePr>
-          <p:nvPr/>
+          <p:nvPr>
+            <p:extLst>
+              <p:ext uri="{D42A27DB-BD31-4B8C-83A1-F6EECF244321}">
+                <p14:modId xmlns:p14="http://schemas.microsoft.com/office/powerpoint/2010/main" val="739928520"/>
+              </p:ext>
+            </p:extLst>
+          </p:nvPr>
         </p:nvGraphicFramePr>
         <p:xfrm>
-          <a:off x="838200" y="2514600"/>
-          <a:ext cx="7499350" cy="2366963"/>
+          <a:off x="933450" y="2482850"/>
+          <a:ext cx="7307263" cy="2430463"/>
         </p:xfrm>
         <a:graphic>
           <a:graphicData uri="http://schemas.openxmlformats.org/presentationml/2006/ole">
             <mc:AlternateContent xmlns:mc="http://schemas.openxmlformats.org/markup-compatibility/2006">
               <mc:Choice xmlns:v="urn:schemas-microsoft-com:vml" Requires="v">
-                <p:oleObj spid="_x0000_s5128" name="Equation" r:id="rId6" imgW="1485720" imgH="469800" progId="Equation.DSMT4">
+                <p:oleObj spid="_x0000_s5131" name="Equation" r:id="rId6" imgW="1447800" imgH="482600" progId="Equation.3">
                   <p:embed/>
                 </p:oleObj>
               </mc:Choice>
               <mc:Fallback>
-                <p:oleObj name="Equation" r:id="rId6" imgW="1485720" imgH="469800" progId="Equation.DSMT4">
+                <p:oleObj name="Equation" r:id="rId6" imgW="1447800" imgH="482600" progId="Equation.3">
                   <p:embed/>
                   <p:pic>
                     <p:nvPicPr>
@@ -20029,13 +19890,7 @@
                       <p:nvPr/>
                     </p:nvPicPr>
                     <p:blipFill>
-                      <a:blip r:embed="rId7">
-                        <a:extLst>
-                          <a:ext uri="{28A0092B-C50C-407E-A947-70E740481C1C}">
-                            <a14:useLocalDpi xmlns:a14="http://schemas.microsoft.com/office/drawing/2010/main" val="0"/>
-                          </a:ext>
-                        </a:extLst>
-                      </a:blip>
+                      <a:blip r:embed="rId7"/>
                       <a:srcRect/>
                       <a:stretch>
                         <a:fillRect/>
@@ -20043,8 +19898,8 @@
                     </p:blipFill>
                     <p:spPr bwMode="auto">
                       <a:xfrm>
-                        <a:off x="838200" y="2514600"/>
-                        <a:ext cx="7499350" cy="2366963"/>
+                        <a:off x="933450" y="2482850"/>
+                        <a:ext cx="7307263" cy="2430463"/>
                       </a:xfrm>
                       <a:prstGeom prst="rect">
                         <a:avLst/>
@@ -20120,11 +19975,7 @@
             </a:r>
             <a:r>
               <a:rPr lang="en-US" dirty="0" smtClean="0"/>
-              <a:t> </a:t>
-            </a:r>
-            <a:r>
-              <a:rPr lang="en-US" dirty="0" smtClean="0"/>
-              <a:t>11F.</a:t>
+              <a:t> 11F.</a:t>
             </a:r>
             <a:fld id="{440333D2-3154-4D4B-AAB9-AB5679BA8A30}" type="slidenum">
               <a:rPr lang="en-US" smtClean="0"/>
@@ -20322,11 +20173,7 @@
             </a:r>
             <a:r>
               <a:rPr lang="en-US" dirty="0" smtClean="0"/>
-              <a:t> </a:t>
-            </a:r>
-            <a:r>
-              <a:rPr lang="en-US" dirty="0" smtClean="0"/>
-              <a:t>11F.</a:t>
+              <a:t> 11F.</a:t>
             </a:r>
             <a:fld id="{8ED4FA4E-F318-4D4A-92AF-ADBE4E4006AD}" type="slidenum">
               <a:rPr lang="en-US" smtClean="0"/>
@@ -20386,7 +20233,7 @@
           <a:graphicData uri="http://schemas.openxmlformats.org/presentationml/2006/ole">
             <mc:AlternateContent xmlns:mc="http://schemas.openxmlformats.org/markup-compatibility/2006">
               <mc:Choice xmlns:v="urn:schemas-microsoft-com:vml" Requires="v">
-                <p:oleObj spid="_x0000_s198663" name="Equation" r:id="rId4" imgW="622300" imgH="495300" progId="Equation.DSMT4">
+                <p:oleObj spid="_x0000_s198666" name="Equation" r:id="rId4" imgW="622300" imgH="495300" progId="Equation.DSMT4">
                   <p:embed/>
                 </p:oleObj>
               </mc:Choice>
@@ -20456,7 +20303,7 @@
           <a:graphicData uri="http://schemas.openxmlformats.org/presentationml/2006/ole">
             <mc:AlternateContent xmlns:mc="http://schemas.openxmlformats.org/markup-compatibility/2006">
               <mc:Choice xmlns:v="urn:schemas-microsoft-com:vml" Requires="v">
-                <p:oleObj spid="_x0000_s198664" name="Equation" r:id="rId6" imgW="1358900" imgH="508000" progId="Equation.DSMT4">
+                <p:oleObj spid="_x0000_s198667" name="Equation" r:id="rId6" imgW="1358900" imgH="508000" progId="Equation.DSMT4">
                   <p:embed/>
                 </p:oleObj>
               </mc:Choice>
@@ -20570,11 +20417,7 @@
             </a:r>
             <a:r>
               <a:rPr lang="en-US" dirty="0" smtClean="0"/>
-              <a:t> </a:t>
-            </a:r>
-            <a:r>
-              <a:rPr lang="en-US" dirty="0" smtClean="0"/>
-              <a:t>11F.</a:t>
+              <a:t> 11F.</a:t>
             </a:r>
             <a:fld id="{440333D2-3154-4D4B-AAB9-AB5679BA8A30}" type="slidenum">
               <a:rPr lang="en-US" smtClean="0"/>
@@ -21124,11 +20967,7 @@
             </a:r>
             <a:r>
               <a:rPr lang="en-US" dirty="0" smtClean="0"/>
-              <a:t> </a:t>
-            </a:r>
-            <a:r>
-              <a:rPr lang="en-US" dirty="0" smtClean="0"/>
-              <a:t>11F.</a:t>
+              <a:t> 11F.</a:t>
             </a:r>
             <a:fld id="{83D78B86-54BD-4C40-B154-E0B4BEB7EE49}" type="slidenum">
               <a:rPr lang="en-US" smtClean="0"/>
@@ -21649,11 +21488,7 @@
             </a:r>
             <a:r>
               <a:rPr lang="en-US" dirty="0" smtClean="0"/>
-              <a:t> </a:t>
-            </a:r>
-            <a:r>
-              <a:rPr lang="en-US" dirty="0" smtClean="0"/>
-              <a:t>11F.</a:t>
+              <a:t> 11F.</a:t>
             </a:r>
             <a:fld id="{4C514721-E3EC-4B85-8650-9EFC25B0A1F3}" type="slidenum">
               <a:rPr lang="en-US" smtClean="0"/>
@@ -21680,7 +21515,7 @@
           <a:graphicData uri="http://schemas.openxmlformats.org/presentationml/2006/ole">
             <mc:AlternateContent xmlns:mc="http://schemas.openxmlformats.org/markup-compatibility/2006">
               <mc:Choice xmlns:v="urn:schemas-microsoft-com:vml" Requires="v">
-                <p:oleObj spid="_x0000_s29705" name="Equation" r:id="rId4" imgW="1816100" imgH="355600" progId="Equation.DSMT4">
+                <p:oleObj spid="_x0000_s29709" name="Equation" r:id="rId4" imgW="1816100" imgH="355600" progId="Equation.DSMT4">
                   <p:embed/>
                 </p:oleObj>
               </mc:Choice>
@@ -21750,7 +21585,7 @@
           <a:graphicData uri="http://schemas.openxmlformats.org/presentationml/2006/ole">
             <mc:AlternateContent xmlns:mc="http://schemas.openxmlformats.org/markup-compatibility/2006">
               <mc:Choice xmlns:v="urn:schemas-microsoft-com:vml" Requires="v">
-                <p:oleObj spid="_x0000_s29706" name="Equation" r:id="rId6" imgW="1905000" imgH="355600" progId="Equation.DSMT4">
+                <p:oleObj spid="_x0000_s29710" name="Equation" r:id="rId6" imgW="1905000" imgH="355600" progId="Equation.DSMT4">
                   <p:embed/>
                 </p:oleObj>
               </mc:Choice>
@@ -21820,7 +21655,7 @@
           <a:graphicData uri="http://schemas.openxmlformats.org/presentationml/2006/ole">
             <mc:AlternateContent xmlns:mc="http://schemas.openxmlformats.org/markup-compatibility/2006">
               <mc:Choice xmlns:v="urn:schemas-microsoft-com:vml" Requires="v">
-                <p:oleObj spid="_x0000_s29707" name="Equation" r:id="rId8" imgW="2552700" imgH="355600" progId="Equation.DSMT4">
+                <p:oleObj spid="_x0000_s29711" name="Equation" r:id="rId8" imgW="2552700" imgH="355600" progId="Equation.DSMT4">
                   <p:embed/>
                 </p:oleObj>
               </mc:Choice>
@@ -22846,11 +22681,7 @@
             </a:r>
             <a:r>
               <a:rPr lang="en-US" dirty="0" smtClean="0"/>
-              <a:t> </a:t>
-            </a:r>
-            <a:r>
-              <a:rPr lang="en-US" dirty="0" smtClean="0"/>
-              <a:t>11F.</a:t>
+              <a:t> 11F.</a:t>
             </a:r>
             <a:fld id="{1C6CC27F-483A-4597-93E2-2507BF4D26FA}" type="slidenum">
               <a:rPr lang="en-US" smtClean="0"/>
@@ -24171,11 +24002,7 @@
             </a:r>
             <a:r>
               <a:rPr lang="en-US" dirty="0" smtClean="0"/>
-              <a:t> </a:t>
-            </a:r>
-            <a:r>
-              <a:rPr lang="en-US" dirty="0" smtClean="0"/>
-              <a:t>11F.</a:t>
+              <a:t> 11F.</a:t>
             </a:r>
             <a:fld id="{EE72DA5D-3DEF-4C80-901B-C90E7DA44CDF}" type="slidenum">
               <a:rPr lang="en-US" smtClean="0"/>
@@ -25590,11 +25417,7 @@
             </a:r>
             <a:r>
               <a:rPr lang="en-US" dirty="0" smtClean="0"/>
-              <a:t> </a:t>
-            </a:r>
-            <a:r>
-              <a:rPr lang="en-US" dirty="0" smtClean="0"/>
-              <a:t>11F.</a:t>
+              <a:t> 11F.</a:t>
             </a:r>
             <a:fld id="{F2B5C290-49D6-4196-9C46-6D46DFD52E56}" type="slidenum">
               <a:rPr lang="en-US" smtClean="0"/>
@@ -26641,11 +26464,7 @@
             </a:r>
             <a:r>
               <a:rPr lang="en-US" dirty="0" smtClean="0"/>
-              <a:t> </a:t>
-            </a:r>
-            <a:r>
-              <a:rPr lang="en-US" dirty="0" smtClean="0"/>
-              <a:t>11F.</a:t>
+              <a:t> 11F.</a:t>
             </a:r>
             <a:fld id="{20715C8B-F559-445D-AD56-1F65FAD9BF58}" type="slidenum">
               <a:rPr lang="en-US" smtClean="0"/>
@@ -27657,11 +27476,7 @@
             </a:r>
             <a:r>
               <a:rPr lang="en-US" dirty="0" smtClean="0"/>
-              <a:t> </a:t>
-            </a:r>
-            <a:r>
-              <a:rPr lang="en-US" dirty="0" smtClean="0"/>
-              <a:t>11F.</a:t>
+              <a:t> 11F.</a:t>
             </a:r>
             <a:fld id="{20715C8B-F559-445D-AD56-1F65FAD9BF58}" type="slidenum">
               <a:rPr lang="en-US" smtClean="0"/>
@@ -28648,11 +28463,7 @@
             </a:r>
             <a:r>
               <a:rPr lang="en-US" dirty="0" smtClean="0"/>
-              <a:t> </a:t>
-            </a:r>
-            <a:r>
-              <a:rPr lang="en-US" dirty="0" smtClean="0"/>
-              <a:t>11F.</a:t>
+              <a:t> 11F.</a:t>
             </a:r>
             <a:fld id="{20715C8B-F559-445D-AD56-1F65FAD9BF58}" type="slidenum">
               <a:rPr lang="en-US" smtClean="0"/>
@@ -29596,11 +29407,7 @@
             </a:r>
             <a:r>
               <a:rPr lang="en-US" dirty="0" smtClean="0"/>
-              <a:t> </a:t>
-            </a:r>
-            <a:r>
-              <a:rPr lang="en-US" dirty="0" smtClean="0"/>
-              <a:t>11F.</a:t>
+              <a:t> 11F.</a:t>
             </a:r>
             <a:fld id="{20715C8B-F559-445D-AD56-1F65FAD9BF58}" type="slidenum">
               <a:rPr lang="en-US" smtClean="0"/>
@@ -29820,11 +29627,7 @@
             </a:r>
             <a:r>
               <a:rPr lang="en-US" dirty="0" smtClean="0"/>
-              <a:t> </a:t>
-            </a:r>
-            <a:r>
-              <a:rPr lang="en-US" dirty="0" smtClean="0"/>
-              <a:t>11F.</a:t>
+              <a:t> 11F.</a:t>
             </a:r>
             <a:fld id="{CF6C6ACF-554E-4571-91F7-53727E6D932A}" type="slidenum">
               <a:rPr lang="en-US" smtClean="0"/>
@@ -30714,11 +30517,7 @@
             </a:r>
             <a:r>
               <a:rPr lang="en-US" dirty="0" smtClean="0"/>
-              <a:t> </a:t>
-            </a:r>
-            <a:r>
-              <a:rPr lang="en-US" dirty="0" smtClean="0"/>
-              <a:t>11F.</a:t>
+              <a:t> 11F.</a:t>
             </a:r>
             <a:fld id="{20715C8B-F559-445D-AD56-1F65FAD9BF58}" type="slidenum">
               <a:rPr lang="en-US" smtClean="0"/>
@@ -31048,11 +30847,7 @@
             </a:r>
             <a:r>
               <a:rPr lang="en-US" dirty="0" smtClean="0"/>
-              <a:t> </a:t>
-            </a:r>
-            <a:r>
-              <a:rPr lang="en-US" dirty="0" smtClean="0"/>
-              <a:t>11F.</a:t>
+              <a:t> 11F.</a:t>
             </a:r>
             <a:fld id="{D3E07E47-E477-4335-BC04-9807100DBDCC}" type="slidenum">
               <a:rPr lang="en-US" smtClean="0"/>
@@ -33631,11 +33426,7 @@
             </a:r>
             <a:r>
               <a:rPr lang="en-US" dirty="0" smtClean="0"/>
-              <a:t> </a:t>
-            </a:r>
-            <a:r>
-              <a:rPr lang="en-US" dirty="0" smtClean="0"/>
-              <a:t>11F.</a:t>
+              <a:t> 11F.</a:t>
             </a:r>
             <a:fld id="{BC0728D2-3EB1-419D-96B7-3DC9770C9B97}" type="slidenum">
               <a:rPr lang="en-US" smtClean="0"/>
@@ -37644,11 +37435,7 @@
             </a:r>
             <a:r>
               <a:rPr lang="en-US" dirty="0" smtClean="0"/>
-              <a:t> </a:t>
-            </a:r>
-            <a:r>
-              <a:rPr lang="en-US" dirty="0" smtClean="0"/>
-              <a:t>11F.</a:t>
+              <a:t> 11F.</a:t>
             </a:r>
             <a:fld id="{2095F3C2-642C-4FC4-8AB0-615EB7B31C2B}" type="slidenum">
               <a:rPr lang="en-US" smtClean="0"/>
@@ -38903,11 +38690,7 @@
             </a:r>
             <a:r>
               <a:rPr lang="en-US" dirty="0" smtClean="0"/>
-              <a:t> </a:t>
-            </a:r>
-            <a:r>
-              <a:rPr lang="en-US" dirty="0" smtClean="0"/>
-              <a:t>11F.</a:t>
+              <a:t> 11F.</a:t>
             </a:r>
             <a:fld id="{F73B5DA3-1AC0-438F-B9CB-5F198C9AF33E}" type="slidenum">
               <a:rPr lang="en-US" smtClean="0"/>
@@ -40420,11 +40203,7 @@
             </a:r>
             <a:r>
               <a:rPr lang="en-US" dirty="0" smtClean="0"/>
-              <a:t> </a:t>
-            </a:r>
-            <a:r>
-              <a:rPr lang="en-US" dirty="0" smtClean="0"/>
-              <a:t>11F.</a:t>
+              <a:t> 11F.</a:t>
             </a:r>
             <a:fld id="{A774967B-D519-47FD-BF5E-4563B7BD084C}" type="slidenum">
               <a:rPr lang="en-US" smtClean="0"/>
@@ -41176,7 +40955,7 @@
           <a:graphicData uri="http://schemas.openxmlformats.org/presentationml/2006/ole">
             <mc:AlternateContent xmlns:mc="http://schemas.openxmlformats.org/markup-compatibility/2006">
               <mc:Choice xmlns:v="urn:schemas-microsoft-com:vml" Requires="v">
-                <p:oleObj spid="_x0000_s133125" name="Equation" r:id="rId9" imgW="1397000" imgH="228600" progId="Equation.DSMT4">
+                <p:oleObj spid="_x0000_s133127" name="Equation" r:id="rId9" imgW="1397000" imgH="228600" progId="Equation.DSMT4">
                   <p:embed/>
                 </p:oleObj>
               </mc:Choice>
@@ -41818,11 +41597,7 @@
             </a:r>
             <a:r>
               <a:rPr lang="en-US" dirty="0" smtClean="0"/>
-              <a:t> </a:t>
-            </a:r>
-            <a:r>
-              <a:rPr lang="en-US" dirty="0" smtClean="0"/>
-              <a:t>11F.</a:t>
+              <a:t> 11F.</a:t>
             </a:r>
             <a:fld id="{8ECF142E-936D-483D-BFC6-A4BC4E02572F}" type="slidenum">
               <a:rPr lang="en-US" smtClean="0"/>

--- a/fall11/slidesF11/slides11f.pptx
+++ b/fall11/slidesF11/slides11f.pptx
@@ -6409,7 +6409,7 @@
           <a:graphicData uri="http://schemas.openxmlformats.org/presentationml/2006/ole">
             <mc:AlternateContent xmlns:mc="http://schemas.openxmlformats.org/markup-compatibility/2006">
               <mc:Choice xmlns:v="urn:schemas-microsoft-com:vml" Requires="v">
-                <p:oleObj spid="_x0000_s137223" name="Equation" r:id="rId4" imgW="1257120" imgH="457200" progId="Equation.DSMT4">
+                <p:oleObj spid="_x0000_s137225" name="Equation" r:id="rId4" imgW="1257120" imgH="457200" progId="Equation.DSMT4">
                   <p:embed/>
                 </p:oleObj>
               </mc:Choice>
@@ -13345,7 +13345,7 @@
           <a:graphicData uri="http://schemas.openxmlformats.org/presentationml/2006/ole">
             <mc:AlternateContent xmlns:mc="http://schemas.openxmlformats.org/markup-compatibility/2006">
               <mc:Choice xmlns:v="urn:schemas-microsoft-com:vml" Requires="v">
-                <p:oleObj spid="_x0000_s153607" name="Equation" r:id="rId9" imgW="508000" imgH="406400" progId="Equation.DSMT4">
+                <p:oleObj spid="_x0000_s153609" name="Equation" r:id="rId9" imgW="508000" imgH="406400" progId="Equation.DSMT4">
                   <p:embed/>
                 </p:oleObj>
               </mc:Choice>
@@ -14501,7 +14501,7 @@
           <a:graphicData uri="http://schemas.openxmlformats.org/presentationml/2006/ole">
             <mc:AlternateContent xmlns:mc="http://schemas.openxmlformats.org/markup-compatibility/2006">
               <mc:Choice xmlns:v="urn:schemas-microsoft-com:vml" Requires="v">
-                <p:oleObj spid="_x0000_s155658" name="Equation" r:id="rId4" imgW="1002960" imgH="406080" progId="Equation.DSMT4">
+                <p:oleObj spid="_x0000_s155661" name="Equation" r:id="rId4" imgW="1002960" imgH="406080" progId="Equation.DSMT4">
                   <p:embed/>
                 </p:oleObj>
               </mc:Choice>
@@ -14630,7 +14630,7 @@
           <a:graphicData uri="http://schemas.openxmlformats.org/presentationml/2006/ole">
             <mc:AlternateContent xmlns:mc="http://schemas.openxmlformats.org/markup-compatibility/2006">
               <mc:Choice xmlns:v="urn:schemas-microsoft-com:vml" Requires="v">
-                <p:oleObj spid="_x0000_s155659" name="Equation" r:id="rId6" imgW="1104840" imgH="457200" progId="Equation.DSMT4">
+                <p:oleObj spid="_x0000_s155662" name="Equation" r:id="rId6" imgW="1104840" imgH="457200" progId="Equation.DSMT4">
                   <p:embed/>
                 </p:oleObj>
               </mc:Choice>
@@ -15429,7 +15429,7 @@
           <a:graphicData uri="http://schemas.openxmlformats.org/presentationml/2006/ole">
             <mc:AlternateContent xmlns:mc="http://schemas.openxmlformats.org/markup-compatibility/2006">
               <mc:Choice xmlns:v="urn:schemas-microsoft-com:vml" Requires="v">
-                <p:oleObj spid="_x0000_s157703" name="Equation" r:id="rId4" imgW="1028700" imgH="482600" progId="Equation.DSMT4">
+                <p:oleObj spid="_x0000_s157705" name="Equation" r:id="rId4" imgW="1028700" imgH="482600" progId="Equation.DSMT4">
                   <p:embed/>
                 </p:oleObj>
               </mc:Choice>
@@ -15959,13 +15959,13 @@
   <p:clrMapOvr>
     <a:masterClrMapping/>
   </p:clrMapOvr>
-  <mc:AlternateContent xmlns:mc="http://schemas.openxmlformats.org/markup-compatibility/2006">
-    <mc:Choice xmlns:p14="http://schemas.microsoft.com/office/powerpoint/2010/main" Requires="p14">
+  <mc:AlternateContent xmlns:mc="http://schemas.openxmlformats.org/markup-compatibility/2006" xmlns:p14="http://schemas.microsoft.com/office/powerpoint/2010/main">
+    <mc:Choice Requires="p14">
       <p:transition spd="slow" p14:dur="1200">
         <p:dissolve/>
       </p:transition>
     </mc:Choice>
-    <mc:Fallback>
+    <mc:Fallback xmlns="">
       <p:transition xmlns:p14="http://schemas.microsoft.com/office/powerpoint/2010/main" spd="slow">
         <p:dissolve/>
       </p:transition>
@@ -16590,7 +16590,7 @@
           <a:graphicData uri="http://schemas.openxmlformats.org/presentationml/2006/ole">
             <mc:AlternateContent xmlns:mc="http://schemas.openxmlformats.org/markup-compatibility/2006">
               <mc:Choice xmlns:v="urn:schemas-microsoft-com:vml" Requires="v">
-                <p:oleObj spid="_x0000_s1031" name="Equation" r:id="rId4" imgW="1790640" imgH="228600" progId="Equation.DSMT4">
+                <p:oleObj spid="_x0000_s1033" name="Equation" r:id="rId4" imgW="1790640" imgH="228600" progId="Equation.DSMT4">
                   <p:embed/>
                 </p:oleObj>
               </mc:Choice>
@@ -17400,7 +17400,7 @@
             <a:graphicData uri="http://schemas.openxmlformats.org/presentationml/2006/ole">
               <mc:AlternateContent xmlns:mc="http://schemas.openxmlformats.org/markup-compatibility/2006">
                 <mc:Choice xmlns:v="urn:schemas-microsoft-com:vml" Requires="v">
-                  <p:oleObj spid="_x0000_s2061" name="Equation" r:id="rId4" imgW="609480" imgH="228600" progId="Equation.DSMT4">
+                  <p:oleObj spid="_x0000_s2065" name="Equation" r:id="rId4" imgW="609480" imgH="228600" progId="Equation.DSMT4">
                     <p:embed/>
                   </p:oleObj>
                 </mc:Choice>
@@ -17519,7 +17519,7 @@
             <a:graphicData uri="http://schemas.openxmlformats.org/presentationml/2006/ole">
               <mc:AlternateContent xmlns:mc="http://schemas.openxmlformats.org/markup-compatibility/2006">
                 <mc:Choice xmlns:v="urn:schemas-microsoft-com:vml" Requires="v">
-                  <p:oleObj spid="_x0000_s2062" name="Equation" r:id="rId6" imgW="685800" imgH="228600" progId="Equation.DSMT4">
+                  <p:oleObj spid="_x0000_s2066" name="Equation" r:id="rId6" imgW="685800" imgH="228600" progId="Equation.DSMT4">
                     <p:embed/>
                   </p:oleObj>
                 </mc:Choice>
@@ -17635,7 +17635,7 @@
             <a:graphicData uri="http://schemas.openxmlformats.org/presentationml/2006/ole">
               <mc:AlternateContent xmlns:mc="http://schemas.openxmlformats.org/markup-compatibility/2006">
                 <mc:Choice xmlns:v="urn:schemas-microsoft-com:vml" Requires="v">
-                  <p:oleObj spid="_x0000_s2063" name="Equation" r:id="rId8" imgW="774360" imgH="177480" progId="Equation.DSMT4">
+                  <p:oleObj spid="_x0000_s2067" name="Equation" r:id="rId8" imgW="774360" imgH="177480" progId="Equation.DSMT4">
                     <p:embed/>
                   </p:oleObj>
                 </mc:Choice>
@@ -18092,7 +18092,7 @@
           <a:graphicData uri="http://schemas.openxmlformats.org/presentationml/2006/ole">
             <mc:AlternateContent xmlns:mc="http://schemas.openxmlformats.org/markup-compatibility/2006">
               <mc:Choice xmlns:v="urn:schemas-microsoft-com:vml" Requires="v">
-                <p:oleObj spid="_x0000_s3085" name="Equation" r:id="rId4" imgW="901440" imgH="406080" progId="Equation.DSMT4">
+                <p:oleObj spid="_x0000_s3089" name="Equation" r:id="rId4" imgW="901440" imgH="406080" progId="Equation.DSMT4">
                   <p:embed/>
                 </p:oleObj>
               </mc:Choice>
@@ -18162,7 +18162,7 @@
           <a:graphicData uri="http://schemas.openxmlformats.org/presentationml/2006/ole">
             <mc:AlternateContent xmlns:mc="http://schemas.openxmlformats.org/markup-compatibility/2006">
               <mc:Choice xmlns:v="urn:schemas-microsoft-com:vml" Requires="v">
-                <p:oleObj spid="_x0000_s3086" name="Equation" r:id="rId6" imgW="1015920" imgH="558720" progId="Equation.DSMT4">
+                <p:oleObj spid="_x0000_s3090" name="Equation" r:id="rId6" imgW="1015920" imgH="558720" progId="Equation.DSMT4">
                   <p:embed/>
                 </p:oleObj>
               </mc:Choice>
@@ -18232,7 +18232,7 @@
           <a:graphicData uri="http://schemas.openxmlformats.org/presentationml/2006/ole">
             <mc:AlternateContent xmlns:mc="http://schemas.openxmlformats.org/markup-compatibility/2006">
               <mc:Choice xmlns:v="urn:schemas-microsoft-com:vml" Requires="v">
-                <p:oleObj spid="_x0000_s3087" name="Equation" r:id="rId8" imgW="1663560" imgH="482400" progId="Equation.DSMT4">
+                <p:oleObj spid="_x0000_s3091" name="Equation" r:id="rId8" imgW="1663560" imgH="482400" progId="Equation.DSMT4">
                   <p:embed/>
                 </p:oleObj>
               </mc:Choice>
@@ -18612,7 +18612,7 @@
           <a:graphicData uri="http://schemas.openxmlformats.org/presentationml/2006/ole">
             <mc:AlternateContent xmlns:mc="http://schemas.openxmlformats.org/markup-compatibility/2006">
               <mc:Choice xmlns:v="urn:schemas-microsoft-com:vml" Requires="v">
-                <p:oleObj spid="_x0000_s4109" name="Equation" r:id="rId4" imgW="1726920" imgH="799920" progId="Equation.DSMT4">
+                <p:oleObj spid="_x0000_s4113" name="Equation" r:id="rId4" imgW="1726920" imgH="799920" progId="Equation.DSMT4">
                   <p:embed/>
                 </p:oleObj>
               </mc:Choice>
@@ -18682,7 +18682,7 @@
           <a:graphicData uri="http://schemas.openxmlformats.org/presentationml/2006/ole">
             <mc:AlternateContent xmlns:mc="http://schemas.openxmlformats.org/markup-compatibility/2006">
               <mc:Choice xmlns:v="urn:schemas-microsoft-com:vml" Requires="v">
-                <p:oleObj spid="_x0000_s4110" name="Equation" r:id="rId6" imgW="1587240" imgH="279360" progId="Equation.DSMT4">
+                <p:oleObj spid="_x0000_s4114" name="Equation" r:id="rId6" imgW="1587240" imgH="279360" progId="Equation.DSMT4">
                   <p:embed/>
                 </p:oleObj>
               </mc:Choice>
@@ -18817,7 +18817,7 @@
             <a:graphicData uri="http://schemas.openxmlformats.org/presentationml/2006/ole">
               <mc:AlternateContent xmlns:mc="http://schemas.openxmlformats.org/markup-compatibility/2006">
                 <mc:Choice xmlns:v="urn:schemas-microsoft-com:vml" Requires="v">
-                  <p:oleObj spid="_x0000_s4111" name="Equation" r:id="rId8" imgW="927000" imgH="279360" progId="Equation.DSMT4">
+                  <p:oleObj spid="_x0000_s4115" name="Equation" r:id="rId8" imgW="927000" imgH="279360" progId="Equation.DSMT4">
                     <p:embed/>
                   </p:oleObj>
                 </mc:Choice>
@@ -19798,7 +19798,7 @@
           <a:graphicData uri="http://schemas.openxmlformats.org/presentationml/2006/ole">
             <mc:AlternateContent xmlns:mc="http://schemas.openxmlformats.org/markup-compatibility/2006">
               <mc:Choice xmlns:v="urn:schemas-microsoft-com:vml" Requires="v">
-                <p:oleObj spid="_x0000_s5130" name="Equation" r:id="rId4" imgW="1269720" imgH="253800" progId="Equation.DSMT4">
+                <p:oleObj spid="_x0000_s5133" name="Equation" r:id="rId4" imgW="1269720" imgH="253800" progId="Equation.DSMT4">
                   <p:embed/>
                 </p:oleObj>
               </mc:Choice>
@@ -19874,7 +19874,7 @@
           <a:graphicData uri="http://schemas.openxmlformats.org/presentationml/2006/ole">
             <mc:AlternateContent xmlns:mc="http://schemas.openxmlformats.org/markup-compatibility/2006">
               <mc:Choice xmlns:v="urn:schemas-microsoft-com:vml" Requires="v">
-                <p:oleObj spid="_x0000_s5131" name="Equation" r:id="rId6" imgW="1447800" imgH="482600" progId="Equation.3">
+                <p:oleObj spid="_x0000_s5134" name="Equation" r:id="rId6" imgW="1447800" imgH="482600" progId="Equation.3">
                   <p:embed/>
                 </p:oleObj>
               </mc:Choice>
@@ -20071,7 +20071,7 @@
 </file>
 
 <file path=ppt/slides/slide3.xml><?xml version="1.0" encoding="utf-8"?>
-<p:sld xmlns:a="http://schemas.openxmlformats.org/drawingml/2006/main" xmlns:r="http://schemas.openxmlformats.org/officeDocument/2006/relationships" xmlns:p="http://schemas.openxmlformats.org/presentationml/2006/main">
+<p:sld xmlns:a="http://schemas.openxmlformats.org/drawingml/2006/main" xmlns:r="http://schemas.openxmlformats.org/officeDocument/2006/relationships" xmlns:p="http://schemas.openxmlformats.org/presentationml/2006/main" show="0">
   <p:cSld>
     <p:spTree>
       <p:nvGrpSpPr>
@@ -20233,7 +20233,7 @@
           <a:graphicData uri="http://schemas.openxmlformats.org/presentationml/2006/ole">
             <mc:AlternateContent xmlns:mc="http://schemas.openxmlformats.org/markup-compatibility/2006">
               <mc:Choice xmlns:v="urn:schemas-microsoft-com:vml" Requires="v">
-                <p:oleObj spid="_x0000_s198666" name="Equation" r:id="rId4" imgW="622300" imgH="495300" progId="Equation.DSMT4">
+                <p:oleObj spid="_x0000_s198669" name="Equation" r:id="rId4" imgW="622300" imgH="495300" progId="Equation.DSMT4">
                   <p:embed/>
                 </p:oleObj>
               </mc:Choice>
@@ -20303,7 +20303,7 @@
           <a:graphicData uri="http://schemas.openxmlformats.org/presentationml/2006/ole">
             <mc:AlternateContent xmlns:mc="http://schemas.openxmlformats.org/markup-compatibility/2006">
               <mc:Choice xmlns:v="urn:schemas-microsoft-com:vml" Requires="v">
-                <p:oleObj spid="_x0000_s198667" name="Equation" r:id="rId6" imgW="1358900" imgH="508000" progId="Equation.DSMT4">
+                <p:oleObj spid="_x0000_s198670" name="Equation" r:id="rId6" imgW="1358900" imgH="508000" progId="Equation.DSMT4">
                   <p:embed/>
                 </p:oleObj>
               </mc:Choice>
@@ -21515,7 +21515,7 @@
           <a:graphicData uri="http://schemas.openxmlformats.org/presentationml/2006/ole">
             <mc:AlternateContent xmlns:mc="http://schemas.openxmlformats.org/markup-compatibility/2006">
               <mc:Choice xmlns:v="urn:schemas-microsoft-com:vml" Requires="v">
-                <p:oleObj spid="_x0000_s29709" name="Equation" r:id="rId4" imgW="1816100" imgH="355600" progId="Equation.DSMT4">
+                <p:oleObj spid="_x0000_s29713" name="Equation" r:id="rId4" imgW="1816100" imgH="355600" progId="Equation.DSMT4">
                   <p:embed/>
                 </p:oleObj>
               </mc:Choice>
@@ -21585,7 +21585,7 @@
           <a:graphicData uri="http://schemas.openxmlformats.org/presentationml/2006/ole">
             <mc:AlternateContent xmlns:mc="http://schemas.openxmlformats.org/markup-compatibility/2006">
               <mc:Choice xmlns:v="urn:schemas-microsoft-com:vml" Requires="v">
-                <p:oleObj spid="_x0000_s29710" name="Equation" r:id="rId6" imgW="1905000" imgH="355600" progId="Equation.DSMT4">
+                <p:oleObj spid="_x0000_s29714" name="Equation" r:id="rId6" imgW="1905000" imgH="355600" progId="Equation.DSMT4">
                   <p:embed/>
                 </p:oleObj>
               </mc:Choice>
@@ -21655,7 +21655,7 @@
           <a:graphicData uri="http://schemas.openxmlformats.org/presentationml/2006/ole">
             <mc:AlternateContent xmlns:mc="http://schemas.openxmlformats.org/markup-compatibility/2006">
               <mc:Choice xmlns:v="urn:schemas-microsoft-com:vml" Requires="v">
-                <p:oleObj spid="_x0000_s29711" name="Equation" r:id="rId8" imgW="2552700" imgH="355600" progId="Equation.DSMT4">
+                <p:oleObj spid="_x0000_s29715" name="Equation" r:id="rId8" imgW="2552700" imgH="355600" progId="Equation.DSMT4">
                   <p:embed/>
                 </p:oleObj>
               </mc:Choice>
@@ -30863,7 +30863,18 @@
   <p:clrMapOvr>
     <a:masterClrMapping/>
   </p:clrMapOvr>
-  <p:transition xmlns:p14="http://schemas.microsoft.com/office/powerpoint/2010/main"/>
+  <mc:AlternateContent xmlns:mc="http://schemas.openxmlformats.org/markup-compatibility/2006">
+    <mc:Choice xmlns:p14="http://schemas.microsoft.com/office/powerpoint/2010/main" Requires="p14">
+      <p:transition spd="slow" p14:dur="800">
+        <p:fade thruBlk="1"/>
+      </p:transition>
+    </mc:Choice>
+    <mc:Fallback>
+      <p:transition xmlns:p14="http://schemas.microsoft.com/office/powerpoint/2010/main" spd="slow">
+        <p:fade thruBlk="1"/>
+      </p:transition>
+    </mc:Fallback>
+  </mc:AlternateContent>
   <p:timing>
     <p:tnLst>
       <p:par>
@@ -40955,7 +40966,7 @@
           <a:graphicData uri="http://schemas.openxmlformats.org/presentationml/2006/ole">
             <mc:AlternateContent xmlns:mc="http://schemas.openxmlformats.org/markup-compatibility/2006">
               <mc:Choice xmlns:v="urn:schemas-microsoft-com:vml" Requires="v">
-                <p:oleObj spid="_x0000_s133127" name="Equation" r:id="rId9" imgW="1397000" imgH="228600" progId="Equation.DSMT4">
+                <p:oleObj spid="_x0000_s133129" name="Equation" r:id="rId9" imgW="1397000" imgH="228600" progId="Equation.DSMT4">
                   <p:embed/>
                 </p:oleObj>
               </mc:Choice>
